--- a/BluePrint/Aplikasi Suhu Tubuh (1).pptx
+++ b/BluePrint/Aplikasi Suhu Tubuh (1).pptx
@@ -252,7 +252,7 @@
           <a:p>
             <a:fld id="{6E5C0719-993D-42E1-80ED-8F01056F36C2}" type="datetimeFigureOut">
               <a:rPr lang="en-US" smtClean="0"/>
-              <a:t>12/12/2020</a:t>
+              <a:t>12/13/2020</a:t>
             </a:fld>
             <a:endParaRPr lang="en-US" dirty="0"/>
           </a:p>
@@ -429,7 +429,7 @@
           <a:p>
             <a:fld id="{21D3BC9C-6C58-464F-B94E-FD73C5FB016E}" type="datetimeFigureOut">
               <a:rPr lang="en-US" smtClean="0"/>
-              <a:t>12/12/2020</a:t>
+              <a:t>12/13/2020</a:t>
             </a:fld>
             <a:endParaRPr lang="en-US" dirty="0"/>
           </a:p>
@@ -1431,7 +1431,7 @@
           <a:p>
             <a:fld id="{40DA1498-92C7-4E4B-8045-C9195F453964}" type="datetimeFigureOut">
               <a:rPr lang="en-US" smtClean="0"/>
-              <a:t>12/12/2020</a:t>
+              <a:t>12/13/2020</a:t>
             </a:fld>
             <a:endParaRPr lang="en-US" dirty="0"/>
           </a:p>
@@ -1629,7 +1629,7 @@
           <a:p>
             <a:fld id="{40DA1498-92C7-4E4B-8045-C9195F453964}" type="datetimeFigureOut">
               <a:rPr lang="en-US" smtClean="0"/>
-              <a:t>12/12/2020</a:t>
+              <a:t>12/13/2020</a:t>
             </a:fld>
             <a:endParaRPr lang="en-US" dirty="0"/>
           </a:p>
@@ -1837,7 +1837,7 @@
           <a:p>
             <a:fld id="{40DA1498-92C7-4E4B-8045-C9195F453964}" type="datetimeFigureOut">
               <a:rPr lang="en-US" smtClean="0"/>
-              <a:t>12/12/2020</a:t>
+              <a:t>12/13/2020</a:t>
             </a:fld>
             <a:endParaRPr lang="en-US" dirty="0"/>
           </a:p>
@@ -2035,7 +2035,7 @@
           <a:p>
             <a:fld id="{40DA1498-92C7-4E4B-8045-C9195F453964}" type="datetimeFigureOut">
               <a:rPr lang="en-US" smtClean="0"/>
-              <a:t>12/12/2020</a:t>
+              <a:t>12/13/2020</a:t>
             </a:fld>
             <a:endParaRPr lang="en-US" dirty="0"/>
           </a:p>
@@ -2310,7 +2310,7 @@
           <a:p>
             <a:fld id="{40DA1498-92C7-4E4B-8045-C9195F453964}" type="datetimeFigureOut">
               <a:rPr lang="en-US" smtClean="0"/>
-              <a:t>12/12/2020</a:t>
+              <a:t>12/13/2020</a:t>
             </a:fld>
             <a:endParaRPr lang="en-US" dirty="0"/>
           </a:p>
@@ -2575,7 +2575,7 @@
           <a:p>
             <a:fld id="{40DA1498-92C7-4E4B-8045-C9195F453964}" type="datetimeFigureOut">
               <a:rPr lang="en-US" smtClean="0"/>
-              <a:t>12/12/2020</a:t>
+              <a:t>12/13/2020</a:t>
             </a:fld>
             <a:endParaRPr lang="en-US" dirty="0"/>
           </a:p>
@@ -2987,7 +2987,7 @@
           <a:p>
             <a:fld id="{40DA1498-92C7-4E4B-8045-C9195F453964}" type="datetimeFigureOut">
               <a:rPr lang="en-US" smtClean="0"/>
-              <a:t>12/12/2020</a:t>
+              <a:t>12/13/2020</a:t>
             </a:fld>
             <a:endParaRPr lang="en-US" dirty="0"/>
           </a:p>
@@ -3128,7 +3128,7 @@
           <a:p>
             <a:fld id="{40DA1498-92C7-4E4B-8045-C9195F453964}" type="datetimeFigureOut">
               <a:rPr lang="en-US" smtClean="0"/>
-              <a:t>12/12/2020</a:t>
+              <a:t>12/13/2020</a:t>
             </a:fld>
             <a:endParaRPr lang="en-US" dirty="0"/>
           </a:p>
@@ -3241,7 +3241,7 @@
           <a:p>
             <a:fld id="{40DA1498-92C7-4E4B-8045-C9195F453964}" type="datetimeFigureOut">
               <a:rPr lang="en-US" smtClean="0"/>
-              <a:t>12/12/2020</a:t>
+              <a:t>12/13/2020</a:t>
             </a:fld>
             <a:endParaRPr lang="en-US" dirty="0"/>
           </a:p>
@@ -3552,7 +3552,7 @@
           <a:p>
             <a:fld id="{40DA1498-92C7-4E4B-8045-C9195F453964}" type="datetimeFigureOut">
               <a:rPr lang="en-US" smtClean="0"/>
-              <a:t>12/12/2020</a:t>
+              <a:t>12/13/2020</a:t>
             </a:fld>
             <a:endParaRPr lang="en-US" dirty="0"/>
           </a:p>
@@ -3844,7 +3844,7 @@
           <a:p>
             <a:fld id="{40DA1498-92C7-4E4B-8045-C9195F453964}" type="datetimeFigureOut">
               <a:rPr lang="en-US" smtClean="0"/>
-              <a:t>12/12/2020</a:t>
+              <a:t>12/13/2020</a:t>
             </a:fld>
             <a:endParaRPr lang="en-US" dirty="0"/>
           </a:p>
@@ -4085,7 +4085,7 @@
           <a:p>
             <a:fld id="{40DA1498-92C7-4E4B-8045-C9195F453964}" type="datetimeFigureOut">
               <a:rPr lang="en-US" smtClean="0"/>
-              <a:t>12/12/2020</a:t>
+              <a:t>12/13/2020</a:t>
             </a:fld>
             <a:endParaRPr lang="en-US" dirty="0"/>
           </a:p>
@@ -14323,6 +14323,18 @@
   <p:clrMapOvr>
     <a:masterClrMapping/>
   </p:clrMapOvr>
+  <mc:AlternateContent xmlns:mc="http://schemas.openxmlformats.org/markup-compatibility/2006">
+    <mc:Choice xmlns:p14="http://schemas.microsoft.com/office/powerpoint/2010/main" Requires="p14">
+      <p:transition spd="med" p14:dur="700">
+        <p:fade/>
+      </p:transition>
+    </mc:Choice>
+    <mc:Fallback>
+      <p:transition spd="med">
+        <p:fade/>
+      </p:transition>
+    </mc:Fallback>
+  </mc:AlternateContent>
 </p:sld>
 </file>
 
@@ -21692,6 +21704,9 @@
   <p:clrMapOvr>
     <a:masterClrMapping/>
   </p:clrMapOvr>
+  <p:transition spd="slow">
+    <p:push dir="u"/>
+  </p:transition>
 </p:sld>
 </file>
 
@@ -29061,6 +29076,9 @@
   <p:clrMapOvr>
     <a:masterClrMapping/>
   </p:clrMapOvr>
+  <p:transition spd="slow">
+    <p:push dir="u"/>
+  </p:transition>
 </p:sld>
 </file>
 
@@ -36430,6 +36448,9 @@
   <p:clrMapOvr>
     <a:masterClrMapping/>
   </p:clrMapOvr>
+  <p:transition spd="slow">
+    <p:push dir="u"/>
+  </p:transition>
 </p:sld>
 </file>
 
@@ -36678,7 +36699,7 @@
         </p:nvSpPr>
         <p:spPr>
           <a:xfrm>
-            <a:off x="4265612" y="1784342"/>
+            <a:off x="4265610" y="1784343"/>
             <a:ext cx="3660775" cy="740997"/>
           </a:xfrm>
           <a:prstGeom prst="roundRect">
@@ -36798,7 +36819,7 @@
         </p:nvSpPr>
         <p:spPr>
           <a:xfrm>
-            <a:off x="4265612" y="844099"/>
+            <a:off x="4265612" y="907289"/>
             <a:ext cx="3660775" cy="740997"/>
           </a:xfrm>
           <a:prstGeom prst="roundRect">
@@ -37038,7 +37059,7 @@
         </p:nvSpPr>
         <p:spPr>
           <a:xfrm>
-            <a:off x="4265611" y="3700612"/>
+            <a:off x="4265610" y="3700612"/>
             <a:ext cx="3660775" cy="740997"/>
           </a:xfrm>
           <a:prstGeom prst="roundRect">
@@ -37278,7 +37299,7 @@
         </p:nvSpPr>
         <p:spPr>
           <a:xfrm>
-            <a:off x="4265610" y="5742803"/>
+            <a:off x="4265610" y="5742802"/>
             <a:ext cx="3660775" cy="740997"/>
           </a:xfrm>
           <a:prstGeom prst="roundRect">
@@ -37391,6 +37412,917 @@
   <p:clrMapOvr>
     <a:masterClrMapping/>
   </p:clrMapOvr>
+  <p:transition spd="slow">
+    <p:push dir="u"/>
+  </p:transition>
+  <p:timing>
+    <p:tnLst>
+      <p:par>
+        <p:cTn id="1" dur="indefinite" restart="never" nodeType="tmRoot">
+          <p:childTnLst>
+            <p:seq concurrent="1" nextAc="seek">
+              <p:cTn id="2" dur="indefinite" nodeType="mainSeq">
+                <p:childTnLst>
+                  <p:par>
+                    <p:cTn id="3" fill="hold">
+                      <p:stCondLst>
+                        <p:cond delay="indefinite"/>
+                      </p:stCondLst>
+                      <p:childTnLst>
+                        <p:par>
+                          <p:cTn id="4" fill="hold">
+                            <p:stCondLst>
+                              <p:cond delay="0"/>
+                            </p:stCondLst>
+                            <p:childTnLst>
+                              <p:par>
+                                <p:cTn id="5" presetID="16" presetClass="entr" presetSubtype="21" fill="hold" grpId="0" nodeType="clickEffect">
+                                  <p:stCondLst>
+                                    <p:cond delay="0"/>
+                                  </p:stCondLst>
+                                  <p:childTnLst>
+                                    <p:set>
+                                      <p:cBhvr>
+                                        <p:cTn id="6" dur="1" fill="hold">
+                                          <p:stCondLst>
+                                            <p:cond delay="0"/>
+                                          </p:stCondLst>
+                                        </p:cTn>
+                                        <p:tgtEl>
+                                          <p:spTgt spid="21"/>
+                                        </p:tgtEl>
+                                        <p:attrNameLst>
+                                          <p:attrName>style.visibility</p:attrName>
+                                        </p:attrNameLst>
+                                      </p:cBhvr>
+                                      <p:to>
+                                        <p:strVal val="visible"/>
+                                      </p:to>
+                                    </p:set>
+                                    <p:animEffect transition="in" filter="barn(inVertical)">
+                                      <p:cBhvr>
+                                        <p:cTn id="7" dur="500"/>
+                                        <p:tgtEl>
+                                          <p:spTgt spid="21"/>
+                                        </p:tgtEl>
+                                      </p:cBhvr>
+                                    </p:animEffect>
+                                  </p:childTnLst>
+                                </p:cTn>
+                              </p:par>
+                            </p:childTnLst>
+                          </p:cTn>
+                        </p:par>
+                      </p:childTnLst>
+                    </p:cTn>
+                  </p:par>
+                  <p:par>
+                    <p:cTn id="8" fill="hold">
+                      <p:stCondLst>
+                        <p:cond delay="indefinite"/>
+                      </p:stCondLst>
+                      <p:childTnLst>
+                        <p:par>
+                          <p:cTn id="9" fill="hold">
+                            <p:stCondLst>
+                              <p:cond delay="0"/>
+                            </p:stCondLst>
+                            <p:childTnLst>
+                              <p:par>
+                                <p:cTn id="10" presetID="2" presetClass="entr" presetSubtype="4" fill="hold" grpId="0" nodeType="clickEffect">
+                                  <p:stCondLst>
+                                    <p:cond delay="0"/>
+                                  </p:stCondLst>
+                                  <p:childTnLst>
+                                    <p:set>
+                                      <p:cBhvr>
+                                        <p:cTn id="11" dur="1" fill="hold">
+                                          <p:stCondLst>
+                                            <p:cond delay="0"/>
+                                          </p:stCondLst>
+                                        </p:cTn>
+                                        <p:tgtEl>
+                                          <p:spTgt spid="22"/>
+                                        </p:tgtEl>
+                                        <p:attrNameLst>
+                                          <p:attrName>style.visibility</p:attrName>
+                                        </p:attrNameLst>
+                                      </p:cBhvr>
+                                      <p:to>
+                                        <p:strVal val="visible"/>
+                                      </p:to>
+                                    </p:set>
+                                    <p:anim calcmode="lin" valueType="num">
+                                      <p:cBhvr additive="base">
+                                        <p:cTn id="12" dur="500" fill="hold"/>
+                                        <p:tgtEl>
+                                          <p:spTgt spid="22"/>
+                                        </p:tgtEl>
+                                        <p:attrNameLst>
+                                          <p:attrName>ppt_x</p:attrName>
+                                        </p:attrNameLst>
+                                      </p:cBhvr>
+                                      <p:tavLst>
+                                        <p:tav tm="0">
+                                          <p:val>
+                                            <p:strVal val="#ppt_x"/>
+                                          </p:val>
+                                        </p:tav>
+                                        <p:tav tm="100000">
+                                          <p:val>
+                                            <p:strVal val="#ppt_x"/>
+                                          </p:val>
+                                        </p:tav>
+                                      </p:tavLst>
+                                    </p:anim>
+                                    <p:anim calcmode="lin" valueType="num">
+                                      <p:cBhvr additive="base">
+                                        <p:cTn id="13" dur="500" fill="hold"/>
+                                        <p:tgtEl>
+                                          <p:spTgt spid="22"/>
+                                        </p:tgtEl>
+                                        <p:attrNameLst>
+                                          <p:attrName>ppt_y</p:attrName>
+                                        </p:attrNameLst>
+                                      </p:cBhvr>
+                                      <p:tavLst>
+                                        <p:tav tm="0">
+                                          <p:val>
+                                            <p:strVal val="1+#ppt_h/2"/>
+                                          </p:val>
+                                        </p:tav>
+                                        <p:tav tm="100000">
+                                          <p:val>
+                                            <p:strVal val="#ppt_y"/>
+                                          </p:val>
+                                        </p:tav>
+                                      </p:tavLst>
+                                    </p:anim>
+                                  </p:childTnLst>
+                                </p:cTn>
+                              </p:par>
+                            </p:childTnLst>
+                          </p:cTn>
+                        </p:par>
+                      </p:childTnLst>
+                    </p:cTn>
+                  </p:par>
+                  <p:par>
+                    <p:cTn id="14" fill="hold">
+                      <p:stCondLst>
+                        <p:cond delay="indefinite"/>
+                      </p:stCondLst>
+                      <p:childTnLst>
+                        <p:par>
+                          <p:cTn id="15" fill="hold">
+                            <p:stCondLst>
+                              <p:cond delay="0"/>
+                            </p:stCondLst>
+                            <p:childTnLst>
+                              <p:par>
+                                <p:cTn id="16" presetID="2" presetClass="entr" presetSubtype="4" fill="hold" grpId="0" nodeType="clickEffect">
+                                  <p:stCondLst>
+                                    <p:cond delay="0"/>
+                                  </p:stCondLst>
+                                  <p:childTnLst>
+                                    <p:set>
+                                      <p:cBhvr>
+                                        <p:cTn id="17" dur="1" fill="hold">
+                                          <p:stCondLst>
+                                            <p:cond delay="0"/>
+                                          </p:stCondLst>
+                                        </p:cTn>
+                                        <p:tgtEl>
+                                          <p:spTgt spid="20"/>
+                                        </p:tgtEl>
+                                        <p:attrNameLst>
+                                          <p:attrName>style.visibility</p:attrName>
+                                        </p:attrNameLst>
+                                      </p:cBhvr>
+                                      <p:to>
+                                        <p:strVal val="visible"/>
+                                      </p:to>
+                                    </p:set>
+                                    <p:anim calcmode="lin" valueType="num">
+                                      <p:cBhvr additive="base">
+                                        <p:cTn id="18" dur="500" fill="hold"/>
+                                        <p:tgtEl>
+                                          <p:spTgt spid="20"/>
+                                        </p:tgtEl>
+                                        <p:attrNameLst>
+                                          <p:attrName>ppt_x</p:attrName>
+                                        </p:attrNameLst>
+                                      </p:cBhvr>
+                                      <p:tavLst>
+                                        <p:tav tm="0">
+                                          <p:val>
+                                            <p:strVal val="#ppt_x"/>
+                                          </p:val>
+                                        </p:tav>
+                                        <p:tav tm="100000">
+                                          <p:val>
+                                            <p:strVal val="#ppt_x"/>
+                                          </p:val>
+                                        </p:tav>
+                                      </p:tavLst>
+                                    </p:anim>
+                                    <p:anim calcmode="lin" valueType="num">
+                                      <p:cBhvr additive="base">
+                                        <p:cTn id="19" dur="500" fill="hold"/>
+                                        <p:tgtEl>
+                                          <p:spTgt spid="20"/>
+                                        </p:tgtEl>
+                                        <p:attrNameLst>
+                                          <p:attrName>ppt_y</p:attrName>
+                                        </p:attrNameLst>
+                                      </p:cBhvr>
+                                      <p:tavLst>
+                                        <p:tav tm="0">
+                                          <p:val>
+                                            <p:strVal val="1+#ppt_h/2"/>
+                                          </p:val>
+                                        </p:tav>
+                                        <p:tav tm="100000">
+                                          <p:val>
+                                            <p:strVal val="#ppt_y"/>
+                                          </p:val>
+                                        </p:tav>
+                                      </p:tavLst>
+                                    </p:anim>
+                                  </p:childTnLst>
+                                </p:cTn>
+                              </p:par>
+                            </p:childTnLst>
+                          </p:cTn>
+                        </p:par>
+                      </p:childTnLst>
+                    </p:cTn>
+                  </p:par>
+                  <p:par>
+                    <p:cTn id="20" fill="hold">
+                      <p:stCondLst>
+                        <p:cond delay="indefinite"/>
+                      </p:stCondLst>
+                      <p:childTnLst>
+                        <p:par>
+                          <p:cTn id="21" fill="hold">
+                            <p:stCondLst>
+                              <p:cond delay="0"/>
+                            </p:stCondLst>
+                            <p:childTnLst>
+                              <p:par>
+                                <p:cTn id="22" presetID="16" presetClass="entr" presetSubtype="21" fill="hold" grpId="0" nodeType="clickEffect">
+                                  <p:stCondLst>
+                                    <p:cond delay="0"/>
+                                  </p:stCondLst>
+                                  <p:childTnLst>
+                                    <p:set>
+                                      <p:cBhvr>
+                                        <p:cTn id="23" dur="1" fill="hold">
+                                          <p:stCondLst>
+                                            <p:cond delay="0"/>
+                                          </p:stCondLst>
+                                        </p:cTn>
+                                        <p:tgtEl>
+                                          <p:spTgt spid="19"/>
+                                        </p:tgtEl>
+                                        <p:attrNameLst>
+                                          <p:attrName>style.visibility</p:attrName>
+                                        </p:attrNameLst>
+                                      </p:cBhvr>
+                                      <p:to>
+                                        <p:strVal val="visible"/>
+                                      </p:to>
+                                    </p:set>
+                                    <p:animEffect transition="in" filter="barn(inVertical)">
+                                      <p:cBhvr>
+                                        <p:cTn id="24" dur="500"/>
+                                        <p:tgtEl>
+                                          <p:spTgt spid="19"/>
+                                        </p:tgtEl>
+                                      </p:cBhvr>
+                                    </p:animEffect>
+                                  </p:childTnLst>
+                                </p:cTn>
+                              </p:par>
+                            </p:childTnLst>
+                          </p:cTn>
+                        </p:par>
+                      </p:childTnLst>
+                    </p:cTn>
+                  </p:par>
+                  <p:par>
+                    <p:cTn id="25" fill="hold">
+                      <p:stCondLst>
+                        <p:cond delay="indefinite"/>
+                      </p:stCondLst>
+                      <p:childTnLst>
+                        <p:par>
+                          <p:cTn id="26" fill="hold">
+                            <p:stCondLst>
+                              <p:cond delay="0"/>
+                            </p:stCondLst>
+                            <p:childTnLst>
+                              <p:par>
+                                <p:cTn id="27" presetID="2" presetClass="entr" presetSubtype="4" fill="hold" grpId="0" nodeType="clickEffect">
+                                  <p:stCondLst>
+                                    <p:cond delay="0"/>
+                                  </p:stCondLst>
+                                  <p:childTnLst>
+                                    <p:set>
+                                      <p:cBhvr>
+                                        <p:cTn id="28" dur="1" fill="hold">
+                                          <p:stCondLst>
+                                            <p:cond delay="0"/>
+                                          </p:stCondLst>
+                                        </p:cTn>
+                                        <p:tgtEl>
+                                          <p:spTgt spid="44"/>
+                                        </p:tgtEl>
+                                        <p:attrNameLst>
+                                          <p:attrName>style.visibility</p:attrName>
+                                        </p:attrNameLst>
+                                      </p:cBhvr>
+                                      <p:to>
+                                        <p:strVal val="visible"/>
+                                      </p:to>
+                                    </p:set>
+                                    <p:anim calcmode="lin" valueType="num">
+                                      <p:cBhvr additive="base">
+                                        <p:cTn id="29" dur="500" fill="hold"/>
+                                        <p:tgtEl>
+                                          <p:spTgt spid="44"/>
+                                        </p:tgtEl>
+                                        <p:attrNameLst>
+                                          <p:attrName>ppt_x</p:attrName>
+                                        </p:attrNameLst>
+                                      </p:cBhvr>
+                                      <p:tavLst>
+                                        <p:tav tm="0">
+                                          <p:val>
+                                            <p:strVal val="#ppt_x"/>
+                                          </p:val>
+                                        </p:tav>
+                                        <p:tav tm="100000">
+                                          <p:val>
+                                            <p:strVal val="#ppt_x"/>
+                                          </p:val>
+                                        </p:tav>
+                                      </p:tavLst>
+                                    </p:anim>
+                                    <p:anim calcmode="lin" valueType="num">
+                                      <p:cBhvr additive="base">
+                                        <p:cTn id="30" dur="500" fill="hold"/>
+                                        <p:tgtEl>
+                                          <p:spTgt spid="44"/>
+                                        </p:tgtEl>
+                                        <p:attrNameLst>
+                                          <p:attrName>ppt_y</p:attrName>
+                                        </p:attrNameLst>
+                                      </p:cBhvr>
+                                      <p:tavLst>
+                                        <p:tav tm="0">
+                                          <p:val>
+                                            <p:strVal val="1+#ppt_h/2"/>
+                                          </p:val>
+                                        </p:tav>
+                                        <p:tav tm="100000">
+                                          <p:val>
+                                            <p:strVal val="#ppt_y"/>
+                                          </p:val>
+                                        </p:tav>
+                                      </p:tavLst>
+                                    </p:anim>
+                                  </p:childTnLst>
+                                </p:cTn>
+                              </p:par>
+                            </p:childTnLst>
+                          </p:cTn>
+                        </p:par>
+                      </p:childTnLst>
+                    </p:cTn>
+                  </p:par>
+                  <p:par>
+                    <p:cTn id="31" fill="hold">
+                      <p:stCondLst>
+                        <p:cond delay="indefinite"/>
+                      </p:stCondLst>
+                      <p:childTnLst>
+                        <p:par>
+                          <p:cTn id="32" fill="hold">
+                            <p:stCondLst>
+                              <p:cond delay="0"/>
+                            </p:stCondLst>
+                            <p:childTnLst>
+                              <p:par>
+                                <p:cTn id="33" presetID="16" presetClass="entr" presetSubtype="21" fill="hold" grpId="0" nodeType="clickEffect">
+                                  <p:stCondLst>
+                                    <p:cond delay="0"/>
+                                  </p:stCondLst>
+                                  <p:childTnLst>
+                                    <p:set>
+                                      <p:cBhvr>
+                                        <p:cTn id="34" dur="1" fill="hold">
+                                          <p:stCondLst>
+                                            <p:cond delay="0"/>
+                                          </p:stCondLst>
+                                        </p:cTn>
+                                        <p:tgtEl>
+                                          <p:spTgt spid="43"/>
+                                        </p:tgtEl>
+                                        <p:attrNameLst>
+                                          <p:attrName>style.visibility</p:attrName>
+                                        </p:attrNameLst>
+                                      </p:cBhvr>
+                                      <p:to>
+                                        <p:strVal val="visible"/>
+                                      </p:to>
+                                    </p:set>
+                                    <p:animEffect transition="in" filter="barn(inVertical)">
+                                      <p:cBhvr>
+                                        <p:cTn id="35" dur="500"/>
+                                        <p:tgtEl>
+                                          <p:spTgt spid="43"/>
+                                        </p:tgtEl>
+                                      </p:cBhvr>
+                                    </p:animEffect>
+                                  </p:childTnLst>
+                                </p:cTn>
+                              </p:par>
+                            </p:childTnLst>
+                          </p:cTn>
+                        </p:par>
+                      </p:childTnLst>
+                    </p:cTn>
+                  </p:par>
+                  <p:par>
+                    <p:cTn id="36" fill="hold">
+                      <p:stCondLst>
+                        <p:cond delay="indefinite"/>
+                      </p:stCondLst>
+                      <p:childTnLst>
+                        <p:par>
+                          <p:cTn id="37" fill="hold">
+                            <p:stCondLst>
+                              <p:cond delay="0"/>
+                            </p:stCondLst>
+                            <p:childTnLst>
+                              <p:par>
+                                <p:cTn id="38" presetID="2" presetClass="entr" presetSubtype="4" fill="hold" grpId="0" nodeType="clickEffect">
+                                  <p:stCondLst>
+                                    <p:cond delay="0"/>
+                                  </p:stCondLst>
+                                  <p:childTnLst>
+                                    <p:set>
+                                      <p:cBhvr>
+                                        <p:cTn id="39" dur="1" fill="hold">
+                                          <p:stCondLst>
+                                            <p:cond delay="0"/>
+                                          </p:stCondLst>
+                                        </p:cTn>
+                                        <p:tgtEl>
+                                          <p:spTgt spid="46"/>
+                                        </p:tgtEl>
+                                        <p:attrNameLst>
+                                          <p:attrName>style.visibility</p:attrName>
+                                        </p:attrNameLst>
+                                      </p:cBhvr>
+                                      <p:to>
+                                        <p:strVal val="visible"/>
+                                      </p:to>
+                                    </p:set>
+                                    <p:anim calcmode="lin" valueType="num">
+                                      <p:cBhvr additive="base">
+                                        <p:cTn id="40" dur="500" fill="hold"/>
+                                        <p:tgtEl>
+                                          <p:spTgt spid="46"/>
+                                        </p:tgtEl>
+                                        <p:attrNameLst>
+                                          <p:attrName>ppt_x</p:attrName>
+                                        </p:attrNameLst>
+                                      </p:cBhvr>
+                                      <p:tavLst>
+                                        <p:tav tm="0">
+                                          <p:val>
+                                            <p:strVal val="#ppt_x"/>
+                                          </p:val>
+                                        </p:tav>
+                                        <p:tav tm="100000">
+                                          <p:val>
+                                            <p:strVal val="#ppt_x"/>
+                                          </p:val>
+                                        </p:tav>
+                                      </p:tavLst>
+                                    </p:anim>
+                                    <p:anim calcmode="lin" valueType="num">
+                                      <p:cBhvr additive="base">
+                                        <p:cTn id="41" dur="500" fill="hold"/>
+                                        <p:tgtEl>
+                                          <p:spTgt spid="46"/>
+                                        </p:tgtEl>
+                                        <p:attrNameLst>
+                                          <p:attrName>ppt_y</p:attrName>
+                                        </p:attrNameLst>
+                                      </p:cBhvr>
+                                      <p:tavLst>
+                                        <p:tav tm="0">
+                                          <p:val>
+                                            <p:strVal val="1+#ppt_h/2"/>
+                                          </p:val>
+                                        </p:tav>
+                                        <p:tav tm="100000">
+                                          <p:val>
+                                            <p:strVal val="#ppt_y"/>
+                                          </p:val>
+                                        </p:tav>
+                                      </p:tavLst>
+                                    </p:anim>
+                                  </p:childTnLst>
+                                </p:cTn>
+                              </p:par>
+                            </p:childTnLst>
+                          </p:cTn>
+                        </p:par>
+                      </p:childTnLst>
+                    </p:cTn>
+                  </p:par>
+                  <p:par>
+                    <p:cTn id="42" fill="hold">
+                      <p:stCondLst>
+                        <p:cond delay="indefinite"/>
+                      </p:stCondLst>
+                      <p:childTnLst>
+                        <p:par>
+                          <p:cTn id="43" fill="hold">
+                            <p:stCondLst>
+                              <p:cond delay="0"/>
+                            </p:stCondLst>
+                            <p:childTnLst>
+                              <p:par>
+                                <p:cTn id="44" presetID="16" presetClass="entr" presetSubtype="21" fill="hold" grpId="0" nodeType="clickEffect">
+                                  <p:stCondLst>
+                                    <p:cond delay="0"/>
+                                  </p:stCondLst>
+                                  <p:childTnLst>
+                                    <p:set>
+                                      <p:cBhvr>
+                                        <p:cTn id="45" dur="1" fill="hold">
+                                          <p:stCondLst>
+                                            <p:cond delay="0"/>
+                                          </p:stCondLst>
+                                        </p:cTn>
+                                        <p:tgtEl>
+                                          <p:spTgt spid="45"/>
+                                        </p:tgtEl>
+                                        <p:attrNameLst>
+                                          <p:attrName>style.visibility</p:attrName>
+                                        </p:attrNameLst>
+                                      </p:cBhvr>
+                                      <p:to>
+                                        <p:strVal val="visible"/>
+                                      </p:to>
+                                    </p:set>
+                                    <p:animEffect transition="in" filter="barn(inVertical)">
+                                      <p:cBhvr>
+                                        <p:cTn id="46" dur="500"/>
+                                        <p:tgtEl>
+                                          <p:spTgt spid="45"/>
+                                        </p:tgtEl>
+                                      </p:cBhvr>
+                                    </p:animEffect>
+                                  </p:childTnLst>
+                                </p:cTn>
+                              </p:par>
+                            </p:childTnLst>
+                          </p:cTn>
+                        </p:par>
+                      </p:childTnLst>
+                    </p:cTn>
+                  </p:par>
+                  <p:par>
+                    <p:cTn id="47" fill="hold">
+                      <p:stCondLst>
+                        <p:cond delay="indefinite"/>
+                      </p:stCondLst>
+                      <p:childTnLst>
+                        <p:par>
+                          <p:cTn id="48" fill="hold">
+                            <p:stCondLst>
+                              <p:cond delay="0"/>
+                            </p:stCondLst>
+                            <p:childTnLst>
+                              <p:par>
+                                <p:cTn id="49" presetID="2" presetClass="entr" presetSubtype="4" fill="hold" grpId="0" nodeType="clickEffect">
+                                  <p:stCondLst>
+                                    <p:cond delay="0"/>
+                                  </p:stCondLst>
+                                  <p:childTnLst>
+                                    <p:set>
+                                      <p:cBhvr>
+                                        <p:cTn id="50" dur="1" fill="hold">
+                                          <p:stCondLst>
+                                            <p:cond delay="0"/>
+                                          </p:stCondLst>
+                                        </p:cTn>
+                                        <p:tgtEl>
+                                          <p:spTgt spid="48"/>
+                                        </p:tgtEl>
+                                        <p:attrNameLst>
+                                          <p:attrName>style.visibility</p:attrName>
+                                        </p:attrNameLst>
+                                      </p:cBhvr>
+                                      <p:to>
+                                        <p:strVal val="visible"/>
+                                      </p:to>
+                                    </p:set>
+                                    <p:anim calcmode="lin" valueType="num">
+                                      <p:cBhvr additive="base">
+                                        <p:cTn id="51" dur="500" fill="hold"/>
+                                        <p:tgtEl>
+                                          <p:spTgt spid="48"/>
+                                        </p:tgtEl>
+                                        <p:attrNameLst>
+                                          <p:attrName>ppt_x</p:attrName>
+                                        </p:attrNameLst>
+                                      </p:cBhvr>
+                                      <p:tavLst>
+                                        <p:tav tm="0">
+                                          <p:val>
+                                            <p:strVal val="#ppt_x"/>
+                                          </p:val>
+                                        </p:tav>
+                                        <p:tav tm="100000">
+                                          <p:val>
+                                            <p:strVal val="#ppt_x"/>
+                                          </p:val>
+                                        </p:tav>
+                                      </p:tavLst>
+                                    </p:anim>
+                                    <p:anim calcmode="lin" valueType="num">
+                                      <p:cBhvr additive="base">
+                                        <p:cTn id="52" dur="500" fill="hold"/>
+                                        <p:tgtEl>
+                                          <p:spTgt spid="48"/>
+                                        </p:tgtEl>
+                                        <p:attrNameLst>
+                                          <p:attrName>ppt_y</p:attrName>
+                                        </p:attrNameLst>
+                                      </p:cBhvr>
+                                      <p:tavLst>
+                                        <p:tav tm="0">
+                                          <p:val>
+                                            <p:strVal val="1+#ppt_h/2"/>
+                                          </p:val>
+                                        </p:tav>
+                                        <p:tav tm="100000">
+                                          <p:val>
+                                            <p:strVal val="#ppt_y"/>
+                                          </p:val>
+                                        </p:tav>
+                                      </p:tavLst>
+                                    </p:anim>
+                                  </p:childTnLst>
+                                </p:cTn>
+                              </p:par>
+                            </p:childTnLst>
+                          </p:cTn>
+                        </p:par>
+                      </p:childTnLst>
+                    </p:cTn>
+                  </p:par>
+                  <p:par>
+                    <p:cTn id="53" fill="hold">
+                      <p:stCondLst>
+                        <p:cond delay="indefinite"/>
+                      </p:stCondLst>
+                      <p:childTnLst>
+                        <p:par>
+                          <p:cTn id="54" fill="hold">
+                            <p:stCondLst>
+                              <p:cond delay="0"/>
+                            </p:stCondLst>
+                            <p:childTnLst>
+                              <p:par>
+                                <p:cTn id="55" presetID="16" presetClass="entr" presetSubtype="21" fill="hold" grpId="0" nodeType="clickEffect">
+                                  <p:stCondLst>
+                                    <p:cond delay="0"/>
+                                  </p:stCondLst>
+                                  <p:childTnLst>
+                                    <p:set>
+                                      <p:cBhvr>
+                                        <p:cTn id="56" dur="1" fill="hold">
+                                          <p:stCondLst>
+                                            <p:cond delay="0"/>
+                                          </p:stCondLst>
+                                        </p:cTn>
+                                        <p:tgtEl>
+                                          <p:spTgt spid="47"/>
+                                        </p:tgtEl>
+                                        <p:attrNameLst>
+                                          <p:attrName>style.visibility</p:attrName>
+                                        </p:attrNameLst>
+                                      </p:cBhvr>
+                                      <p:to>
+                                        <p:strVal val="visible"/>
+                                      </p:to>
+                                    </p:set>
+                                    <p:animEffect transition="in" filter="barn(inVertical)">
+                                      <p:cBhvr>
+                                        <p:cTn id="57" dur="500"/>
+                                        <p:tgtEl>
+                                          <p:spTgt spid="47"/>
+                                        </p:tgtEl>
+                                      </p:cBhvr>
+                                    </p:animEffect>
+                                  </p:childTnLst>
+                                </p:cTn>
+                              </p:par>
+                            </p:childTnLst>
+                          </p:cTn>
+                        </p:par>
+                      </p:childTnLst>
+                    </p:cTn>
+                  </p:par>
+                  <p:par>
+                    <p:cTn id="58" fill="hold">
+                      <p:stCondLst>
+                        <p:cond delay="indefinite"/>
+                      </p:stCondLst>
+                      <p:childTnLst>
+                        <p:par>
+                          <p:cTn id="59" fill="hold">
+                            <p:stCondLst>
+                              <p:cond delay="0"/>
+                            </p:stCondLst>
+                            <p:childTnLst>
+                              <p:par>
+                                <p:cTn id="60" presetID="2" presetClass="entr" presetSubtype="4" fill="hold" grpId="0" nodeType="clickEffect">
+                                  <p:stCondLst>
+                                    <p:cond delay="0"/>
+                                  </p:stCondLst>
+                                  <p:childTnLst>
+                                    <p:set>
+                                      <p:cBhvr>
+                                        <p:cTn id="61" dur="1" fill="hold">
+                                          <p:stCondLst>
+                                            <p:cond delay="0"/>
+                                          </p:stCondLst>
+                                        </p:cTn>
+                                        <p:tgtEl>
+                                          <p:spTgt spid="50"/>
+                                        </p:tgtEl>
+                                        <p:attrNameLst>
+                                          <p:attrName>style.visibility</p:attrName>
+                                        </p:attrNameLst>
+                                      </p:cBhvr>
+                                      <p:to>
+                                        <p:strVal val="visible"/>
+                                      </p:to>
+                                    </p:set>
+                                    <p:anim calcmode="lin" valueType="num">
+                                      <p:cBhvr additive="base">
+                                        <p:cTn id="62" dur="500" fill="hold"/>
+                                        <p:tgtEl>
+                                          <p:spTgt spid="50"/>
+                                        </p:tgtEl>
+                                        <p:attrNameLst>
+                                          <p:attrName>ppt_x</p:attrName>
+                                        </p:attrNameLst>
+                                      </p:cBhvr>
+                                      <p:tavLst>
+                                        <p:tav tm="0">
+                                          <p:val>
+                                            <p:strVal val="#ppt_x"/>
+                                          </p:val>
+                                        </p:tav>
+                                        <p:tav tm="100000">
+                                          <p:val>
+                                            <p:strVal val="#ppt_x"/>
+                                          </p:val>
+                                        </p:tav>
+                                      </p:tavLst>
+                                    </p:anim>
+                                    <p:anim calcmode="lin" valueType="num">
+                                      <p:cBhvr additive="base">
+                                        <p:cTn id="63" dur="500" fill="hold"/>
+                                        <p:tgtEl>
+                                          <p:spTgt spid="50"/>
+                                        </p:tgtEl>
+                                        <p:attrNameLst>
+                                          <p:attrName>ppt_y</p:attrName>
+                                        </p:attrNameLst>
+                                      </p:cBhvr>
+                                      <p:tavLst>
+                                        <p:tav tm="0">
+                                          <p:val>
+                                            <p:strVal val="1+#ppt_h/2"/>
+                                          </p:val>
+                                        </p:tav>
+                                        <p:tav tm="100000">
+                                          <p:val>
+                                            <p:strVal val="#ppt_y"/>
+                                          </p:val>
+                                        </p:tav>
+                                      </p:tavLst>
+                                    </p:anim>
+                                  </p:childTnLst>
+                                </p:cTn>
+                              </p:par>
+                            </p:childTnLst>
+                          </p:cTn>
+                        </p:par>
+                      </p:childTnLst>
+                    </p:cTn>
+                  </p:par>
+                  <p:par>
+                    <p:cTn id="64" fill="hold">
+                      <p:stCondLst>
+                        <p:cond delay="indefinite"/>
+                      </p:stCondLst>
+                      <p:childTnLst>
+                        <p:par>
+                          <p:cTn id="65" fill="hold">
+                            <p:stCondLst>
+                              <p:cond delay="0"/>
+                            </p:stCondLst>
+                            <p:childTnLst>
+                              <p:par>
+                                <p:cTn id="66" presetID="16" presetClass="entr" presetSubtype="21" fill="hold" grpId="0" nodeType="clickEffect">
+                                  <p:stCondLst>
+                                    <p:cond delay="0"/>
+                                  </p:stCondLst>
+                                  <p:childTnLst>
+                                    <p:set>
+                                      <p:cBhvr>
+                                        <p:cTn id="67" dur="1" fill="hold">
+                                          <p:stCondLst>
+                                            <p:cond delay="0"/>
+                                          </p:stCondLst>
+                                        </p:cTn>
+                                        <p:tgtEl>
+                                          <p:spTgt spid="49"/>
+                                        </p:tgtEl>
+                                        <p:attrNameLst>
+                                          <p:attrName>style.visibility</p:attrName>
+                                        </p:attrNameLst>
+                                      </p:cBhvr>
+                                      <p:to>
+                                        <p:strVal val="visible"/>
+                                      </p:to>
+                                    </p:set>
+                                    <p:animEffect transition="in" filter="barn(inVertical)">
+                                      <p:cBhvr>
+                                        <p:cTn id="68" dur="500"/>
+                                        <p:tgtEl>
+                                          <p:spTgt spid="49"/>
+                                        </p:tgtEl>
+                                      </p:cBhvr>
+                                    </p:animEffect>
+                                  </p:childTnLst>
+                                </p:cTn>
+                              </p:par>
+                            </p:childTnLst>
+                          </p:cTn>
+                        </p:par>
+                      </p:childTnLst>
+                    </p:cTn>
+                  </p:par>
+                </p:childTnLst>
+              </p:cTn>
+              <p:prevCondLst>
+                <p:cond evt="onPrev" delay="0">
+                  <p:tgtEl>
+                    <p:sldTgt/>
+                  </p:tgtEl>
+                </p:cond>
+              </p:prevCondLst>
+              <p:nextCondLst>
+                <p:cond evt="onNext" delay="0">
+                  <p:tgtEl>
+                    <p:sldTgt/>
+                  </p:tgtEl>
+                </p:cond>
+              </p:nextCondLst>
+            </p:seq>
+          </p:childTnLst>
+        </p:cTn>
+      </p:par>
+    </p:tnLst>
+    <p:bldLst>
+      <p:bldP spid="19" grpId="0" animBg="1"/>
+      <p:bldP spid="20" grpId="0" animBg="1"/>
+      <p:bldP spid="21" grpId="0" animBg="1"/>
+      <p:bldP spid="22" grpId="0" animBg="1"/>
+      <p:bldP spid="43" grpId="0" animBg="1"/>
+      <p:bldP spid="44" grpId="0" animBg="1"/>
+      <p:bldP spid="45" grpId="0" animBg="1"/>
+      <p:bldP spid="46" grpId="0" animBg="1"/>
+      <p:bldP spid="47" grpId="0" animBg="1"/>
+      <p:bldP spid="48" grpId="0" animBg="1"/>
+      <p:bldP spid="49" grpId="0" animBg="1"/>
+      <p:bldP spid="50" grpId="0" animBg="1"/>
+    </p:bldLst>
+  </p:timing>
 </p:sld>
 </file>
 
@@ -37610,6 +38542,9 @@
   <p:clrMapOvr>
     <a:masterClrMapping/>
   </p:clrMapOvr>
+  <p:transition spd="slow">
+    <p:randomBar dir="vert"/>
+  </p:transition>
 </p:sld>
 </file>
 
@@ -38405,23 +39340,6 @@
 </file>
 
 <file path=customXml/item1.xml><?xml version="1.0" encoding="utf-8"?>
-<?mso-contentType ?>
-<FormTemplates xmlns="http://schemas.microsoft.com/sharepoint/v3/contenttype/forms">
-  <Display>DocumentLibraryForm</Display>
-  <Edit>DocumentLibraryForm</Edit>
-  <New>DocumentLibraryForm</New>
-</FormTemplates>
-</file>
-
-<file path=customXml/item2.xml><?xml version="1.0" encoding="utf-8"?>
-<p:properties xmlns:p="http://schemas.microsoft.com/office/2006/metadata/properties" xmlns:xsi="http://www.w3.org/2001/XMLSchema-instance" xmlns:pc="http://schemas.microsoft.com/office/infopath/2007/PartnerControls">
-  <documentManagement>
-    <MediaServiceKeyPoints xmlns="71af3243-3dd4-4a8d-8c0d-dd76da1f02a5" xsi:nil="true"/>
-  </documentManagement>
-</p:properties>
-</file>
-
-<file path=customXml/item3.xml><?xml version="1.0" encoding="utf-8"?>
 <ct:contentTypeSchema xmlns:ct="http://schemas.microsoft.com/office/2006/metadata/contentType" xmlns:ma="http://schemas.microsoft.com/office/2006/metadata/properties/metaAttributes" ct:_="" ma:_="" ma:contentTypeName="Document" ma:contentTypeID="0x01010079F111ED35F8CC479449609E8A0923A6" ma:contentTypeVersion="11" ma:contentTypeDescription="Create a new document." ma:contentTypeScope="" ma:versionID="9677210f24a1be23c92c90fd886aa0aa">
   <xsd:schema xmlns:xsd="http://www.w3.org/2001/XMLSchema" xmlns:xs="http://www.w3.org/2001/XMLSchema" xmlns:p="http://schemas.microsoft.com/office/2006/metadata/properties" xmlns:ns2="71af3243-3dd4-4a8d-8c0d-dd76da1f02a5" xmlns:ns3="16c05727-aa75-4e4a-9b5f-8a80a1165891" targetNamespace="http://schemas.microsoft.com/office/2006/metadata/properties" ma:root="true" ma:fieldsID="60e05723c5c1908df1a1a4ebf11d344e" ns2:_="" ns3:_="">
     <xsd:import namespace="71af3243-3dd4-4a8d-8c0d-dd76da1f02a5"/>
@@ -38632,25 +39550,24 @@
 </ct:contentTypeSchema>
 </file>
 
-<file path=customXml/itemProps1.xml><?xml version="1.0" encoding="utf-8"?>
-<ds:datastoreItem xmlns:ds="http://schemas.openxmlformats.org/officeDocument/2006/customXml" ds:itemID="{2FD05317-60D6-4B3A-8545-888496D1A8EC}">
-  <ds:schemaRefs>
-    <ds:schemaRef ds:uri="http://schemas.microsoft.com/sharepoint/v3/contenttype/forms"/>
-  </ds:schemaRefs>
-</ds:datastoreItem>
+<file path=customXml/item2.xml><?xml version="1.0" encoding="utf-8"?>
+<p:properties xmlns:p="http://schemas.microsoft.com/office/2006/metadata/properties" xmlns:xsi="http://www.w3.org/2001/XMLSchema-instance" xmlns:pc="http://schemas.microsoft.com/office/infopath/2007/PartnerControls">
+  <documentManagement>
+    <MediaServiceKeyPoints xmlns="71af3243-3dd4-4a8d-8c0d-dd76da1f02a5" xsi:nil="true"/>
+  </documentManagement>
+</p:properties>
 </file>
 
-<file path=customXml/itemProps2.xml><?xml version="1.0" encoding="utf-8"?>
-<ds:datastoreItem xmlns:ds="http://schemas.openxmlformats.org/officeDocument/2006/customXml" ds:itemID="{EF609EDA-869E-4BE5-AE5D-B898C584B6FF}">
-  <ds:schemaRefs>
-    <ds:schemaRef ds:uri="http://schemas.microsoft.com/office/2006/metadata/properties"/>
-    <ds:schemaRef ds:uri="http://schemas.microsoft.com/office/infopath/2007/PartnerControls"/>
-    <ds:schemaRef ds:uri="71af3243-3dd4-4a8d-8c0d-dd76da1f02a5"/>
-  </ds:schemaRefs>
-</ds:datastoreItem>
+<file path=customXml/item3.xml><?xml version="1.0" encoding="utf-8"?>
+<?mso-contentType ?>
+<FormTemplates xmlns="http://schemas.microsoft.com/sharepoint/v3/contenttype/forms">
+  <Display>DocumentLibraryForm</Display>
+  <Edit>DocumentLibraryForm</Edit>
+  <New>DocumentLibraryForm</New>
+</FormTemplates>
 </file>
 
-<file path=customXml/itemProps3.xml><?xml version="1.0" encoding="utf-8"?>
+<file path=customXml/itemProps1.xml><?xml version="1.0" encoding="utf-8"?>
 <ds:datastoreItem xmlns:ds="http://schemas.openxmlformats.org/officeDocument/2006/customXml" ds:itemID="{61A00BBF-EEBB-4E18-B8CB-F926EAAC48F7}">
   <ds:schemaRefs>
     <ds:schemaRef ds:uri="http://schemas.microsoft.com/office/2006/metadata/contentType"/>
@@ -38667,4 +39584,22 @@
     <ds:schemaRef ds:uri="http://schemas.microsoft.com/internal/obd"/>
   </ds:schemaRefs>
 </ds:datastoreItem>
+</file>
+
+<file path=customXml/itemProps2.xml><?xml version="1.0" encoding="utf-8"?>
+<ds:datastoreItem xmlns:ds="http://schemas.openxmlformats.org/officeDocument/2006/customXml" ds:itemID="{EF609EDA-869E-4BE5-AE5D-B898C584B6FF}">
+  <ds:schemaRefs>
+    <ds:schemaRef ds:uri="http://schemas.microsoft.com/office/2006/metadata/properties"/>
+    <ds:schemaRef ds:uri="http://schemas.microsoft.com/office/infopath/2007/PartnerControls"/>
+    <ds:schemaRef ds:uri="71af3243-3dd4-4a8d-8c0d-dd76da1f02a5"/>
+  </ds:schemaRefs>
+</ds:datastoreItem>
+</file>
+
+<file path=customXml/itemProps3.xml><?xml version="1.0" encoding="utf-8"?>
+<ds:datastoreItem xmlns:ds="http://schemas.openxmlformats.org/officeDocument/2006/customXml" ds:itemID="{2FD05317-60D6-4B3A-8545-888496D1A8EC}">
+  <ds:schemaRefs>
+    <ds:schemaRef ds:uri="http://schemas.microsoft.com/sharepoint/v3/contenttype/forms"/>
+  </ds:schemaRefs>
+</ds:datastoreItem>
 </file>
--- a/BluePrint/Aplikasi Suhu Tubuh (1).pptx
+++ b/BluePrint/Aplikasi Suhu Tubuh (1).pptx
@@ -14323,13 +14323,13 @@
   <p:clrMapOvr>
     <a:masterClrMapping/>
   </p:clrMapOvr>
-  <mc:AlternateContent xmlns:mc="http://schemas.openxmlformats.org/markup-compatibility/2006">
-    <mc:Choice xmlns:p14="http://schemas.microsoft.com/office/powerpoint/2010/main" Requires="p14">
+  <mc:AlternateContent xmlns:mc="http://schemas.openxmlformats.org/markup-compatibility/2006" xmlns:p14="http://schemas.microsoft.com/office/powerpoint/2010/main">
+    <mc:Choice Requires="p14">
       <p:transition spd="med" p14:dur="700">
         <p:fade/>
       </p:transition>
     </mc:Choice>
-    <mc:Fallback>
+    <mc:Fallback xmlns="">
       <p:transition spd="med">
         <p:fade/>
       </p:transition>
@@ -39340,6 +39340,23 @@
 </file>
 
 <file path=customXml/item1.xml><?xml version="1.0" encoding="utf-8"?>
+<?mso-contentType ?>
+<FormTemplates xmlns="http://schemas.microsoft.com/sharepoint/v3/contenttype/forms">
+  <Display>DocumentLibraryForm</Display>
+  <Edit>DocumentLibraryForm</Edit>
+  <New>DocumentLibraryForm</New>
+</FormTemplates>
+</file>
+
+<file path=customXml/item2.xml><?xml version="1.0" encoding="utf-8"?>
+<p:properties xmlns:p="http://schemas.microsoft.com/office/2006/metadata/properties" xmlns:xsi="http://www.w3.org/2001/XMLSchema-instance" xmlns:pc="http://schemas.microsoft.com/office/infopath/2007/PartnerControls">
+  <documentManagement>
+    <MediaServiceKeyPoints xmlns="71af3243-3dd4-4a8d-8c0d-dd76da1f02a5" xsi:nil="true"/>
+  </documentManagement>
+</p:properties>
+</file>
+
+<file path=customXml/item3.xml><?xml version="1.0" encoding="utf-8"?>
 <ct:contentTypeSchema xmlns:ct="http://schemas.microsoft.com/office/2006/metadata/contentType" xmlns:ma="http://schemas.microsoft.com/office/2006/metadata/properties/metaAttributes" ct:_="" ma:_="" ma:contentTypeName="Document" ma:contentTypeID="0x01010079F111ED35F8CC479449609E8A0923A6" ma:contentTypeVersion="11" ma:contentTypeDescription="Create a new document." ma:contentTypeScope="" ma:versionID="9677210f24a1be23c92c90fd886aa0aa">
   <xsd:schema xmlns:xsd="http://www.w3.org/2001/XMLSchema" xmlns:xs="http://www.w3.org/2001/XMLSchema" xmlns:p="http://schemas.microsoft.com/office/2006/metadata/properties" xmlns:ns2="71af3243-3dd4-4a8d-8c0d-dd76da1f02a5" xmlns:ns3="16c05727-aa75-4e4a-9b5f-8a80a1165891" targetNamespace="http://schemas.microsoft.com/office/2006/metadata/properties" ma:root="true" ma:fieldsID="60e05723c5c1908df1a1a4ebf11d344e" ns2:_="" ns3:_="">
     <xsd:import namespace="71af3243-3dd4-4a8d-8c0d-dd76da1f02a5"/>
@@ -39550,24 +39567,25 @@
 </ct:contentTypeSchema>
 </file>
 
-<file path=customXml/item2.xml><?xml version="1.0" encoding="utf-8"?>
-<p:properties xmlns:p="http://schemas.microsoft.com/office/2006/metadata/properties" xmlns:xsi="http://www.w3.org/2001/XMLSchema-instance" xmlns:pc="http://schemas.microsoft.com/office/infopath/2007/PartnerControls">
-  <documentManagement>
-    <MediaServiceKeyPoints xmlns="71af3243-3dd4-4a8d-8c0d-dd76da1f02a5" xsi:nil="true"/>
-  </documentManagement>
-</p:properties>
+<file path=customXml/itemProps1.xml><?xml version="1.0" encoding="utf-8"?>
+<ds:datastoreItem xmlns:ds="http://schemas.openxmlformats.org/officeDocument/2006/customXml" ds:itemID="{2FD05317-60D6-4B3A-8545-888496D1A8EC}">
+  <ds:schemaRefs>
+    <ds:schemaRef ds:uri="http://schemas.microsoft.com/sharepoint/v3/contenttype/forms"/>
+  </ds:schemaRefs>
+</ds:datastoreItem>
 </file>
 
-<file path=customXml/item3.xml><?xml version="1.0" encoding="utf-8"?>
-<?mso-contentType ?>
-<FormTemplates xmlns="http://schemas.microsoft.com/sharepoint/v3/contenttype/forms">
-  <Display>DocumentLibraryForm</Display>
-  <Edit>DocumentLibraryForm</Edit>
-  <New>DocumentLibraryForm</New>
-</FormTemplates>
+<file path=customXml/itemProps2.xml><?xml version="1.0" encoding="utf-8"?>
+<ds:datastoreItem xmlns:ds="http://schemas.openxmlformats.org/officeDocument/2006/customXml" ds:itemID="{EF609EDA-869E-4BE5-AE5D-B898C584B6FF}">
+  <ds:schemaRefs>
+    <ds:schemaRef ds:uri="http://schemas.microsoft.com/office/2006/metadata/properties"/>
+    <ds:schemaRef ds:uri="http://schemas.microsoft.com/office/infopath/2007/PartnerControls"/>
+    <ds:schemaRef ds:uri="71af3243-3dd4-4a8d-8c0d-dd76da1f02a5"/>
+  </ds:schemaRefs>
+</ds:datastoreItem>
 </file>
 
-<file path=customXml/itemProps1.xml><?xml version="1.0" encoding="utf-8"?>
+<file path=customXml/itemProps3.xml><?xml version="1.0" encoding="utf-8"?>
 <ds:datastoreItem xmlns:ds="http://schemas.openxmlformats.org/officeDocument/2006/customXml" ds:itemID="{61A00BBF-EEBB-4E18-B8CB-F926EAAC48F7}">
   <ds:schemaRefs>
     <ds:schemaRef ds:uri="http://schemas.microsoft.com/office/2006/metadata/contentType"/>
@@ -39584,22 +39602,4 @@
     <ds:schemaRef ds:uri="http://schemas.microsoft.com/internal/obd"/>
   </ds:schemaRefs>
 </ds:datastoreItem>
-</file>
-
-<file path=customXml/itemProps2.xml><?xml version="1.0" encoding="utf-8"?>
-<ds:datastoreItem xmlns:ds="http://schemas.openxmlformats.org/officeDocument/2006/customXml" ds:itemID="{EF609EDA-869E-4BE5-AE5D-B898C584B6FF}">
-  <ds:schemaRefs>
-    <ds:schemaRef ds:uri="http://schemas.microsoft.com/office/2006/metadata/properties"/>
-    <ds:schemaRef ds:uri="http://schemas.microsoft.com/office/infopath/2007/PartnerControls"/>
-    <ds:schemaRef ds:uri="71af3243-3dd4-4a8d-8c0d-dd76da1f02a5"/>
-  </ds:schemaRefs>
-</ds:datastoreItem>
-</file>
-
-<file path=customXml/itemProps3.xml><?xml version="1.0" encoding="utf-8"?>
-<ds:datastoreItem xmlns:ds="http://schemas.openxmlformats.org/officeDocument/2006/customXml" ds:itemID="{2FD05317-60D6-4B3A-8545-888496D1A8EC}">
-  <ds:schemaRefs>
-    <ds:schemaRef ds:uri="http://schemas.microsoft.com/sharepoint/v3/contenttype/forms"/>
-  </ds:schemaRefs>
-</ds:datastoreItem>
 </file>